--- a/unix/유닉스 이론 강의자료/CH06_SIGNAL1.pptx
+++ b/unix/유닉스 이론 강의자료/CH06_SIGNAL1.pptx
@@ -332,7 +332,7 @@
             <a:fld id="{652FB48A-07CC-4C26-AB94-3E858FDA9173}" type="datetimeFigureOut">
               <a:rPr lang="ko-KR" altLang="en-US"/>
               <a:pPr/>
-              <a:t>2018-09-03</a:t>
+              <a:t>2019-12-03</a:t>
             </a:fld>
             <a:endParaRPr lang="en-US" altLang="ko-KR"/>
           </a:p>
@@ -5418,7 +5418,7 @@
             <a:fld id="{EC8D4EEB-5973-4CA1-B24A-C0DE88295455}" type="datetime1">
               <a:rPr lang="ko-KR" altLang="en-US" smtClean="0"/>
               <a:pPr/>
-              <a:t>2018-09-03</a:t>
+              <a:t>2019-12-03</a:t>
             </a:fld>
             <a:endParaRPr lang="en-US" altLang="ko-KR"/>
           </a:p>

--- a/unix/유닉스 이론 강의자료/CH06_SIGNAL1.pptx
+++ b/unix/유닉스 이론 강의자료/CH06_SIGNAL1.pptx
@@ -4001,8 +4001,12 @@
           <a:lstStyle/>
           <a:p>
             <a:r>
+              <a:rPr lang="ko-KR" altLang="en-US" dirty="0" err="1"/>
+              <a:t>ㅇ시그널</a:t>
+            </a:r>
+            <a:r>
               <a:rPr lang="ko-KR" altLang="en-US" dirty="0"/>
-              <a:t>시그널 발생 </a:t>
+              <a:t> 발생 </a:t>
             </a:r>
             <a:r>
               <a:rPr lang="en-US" altLang="ko-KR" dirty="0"/>
